--- a/Sunrise.pptx
+++ b/Sunrise.pptx
@@ -104,6 +104,11 @@
       </a:defRPr>
     </a:lvl9pPr>
   </p:defaultTextStyle>
+  <p:extLst>
+    <p:ext uri="{EFAFB233-063F-42B5-8137-9DF3F51BA10A}">
+      <p15:sldGuideLst xmlns:p15="http://schemas.microsoft.com/office/powerpoint/2012/main"/>
+    </p:ext>
+  </p:extLst>
 </p:presentation>
 </file>
 
@@ -254,7 +259,7 @@
           <a:p>
             <a:fld id="{6AA7A5F3-4175-4733-B13D-6A62370D04D0}" type="datetimeFigureOut">
               <a:rPr lang="en-US" smtClean="0"/>
-              <a:t>05-Jan-22</a:t>
+              <a:t>11-Sep-22</a:t>
             </a:fld>
             <a:endParaRPr lang="en-US"/>
           </a:p>
@@ -452,7 +457,7 @@
           <a:p>
             <a:fld id="{6AA7A5F3-4175-4733-B13D-6A62370D04D0}" type="datetimeFigureOut">
               <a:rPr lang="en-US" smtClean="0"/>
-              <a:t>05-Jan-22</a:t>
+              <a:t>11-Sep-22</a:t>
             </a:fld>
             <a:endParaRPr lang="en-US"/>
           </a:p>
@@ -660,7 +665,7 @@
           <a:p>
             <a:fld id="{6AA7A5F3-4175-4733-B13D-6A62370D04D0}" type="datetimeFigureOut">
               <a:rPr lang="en-US" smtClean="0"/>
-              <a:t>05-Jan-22</a:t>
+              <a:t>11-Sep-22</a:t>
             </a:fld>
             <a:endParaRPr lang="en-US"/>
           </a:p>
@@ -858,7 +863,7 @@
           <a:p>
             <a:fld id="{6AA7A5F3-4175-4733-B13D-6A62370D04D0}" type="datetimeFigureOut">
               <a:rPr lang="en-US" smtClean="0"/>
-              <a:t>05-Jan-22</a:t>
+              <a:t>11-Sep-22</a:t>
             </a:fld>
             <a:endParaRPr lang="en-US"/>
           </a:p>
@@ -1133,7 +1138,7 @@
           <a:p>
             <a:fld id="{6AA7A5F3-4175-4733-B13D-6A62370D04D0}" type="datetimeFigureOut">
               <a:rPr lang="en-US" smtClean="0"/>
-              <a:t>05-Jan-22</a:t>
+              <a:t>11-Sep-22</a:t>
             </a:fld>
             <a:endParaRPr lang="en-US"/>
           </a:p>
@@ -1398,7 +1403,7 @@
           <a:p>
             <a:fld id="{6AA7A5F3-4175-4733-B13D-6A62370D04D0}" type="datetimeFigureOut">
               <a:rPr lang="en-US" smtClean="0"/>
-              <a:t>05-Jan-22</a:t>
+              <a:t>11-Sep-22</a:t>
             </a:fld>
             <a:endParaRPr lang="en-US"/>
           </a:p>
@@ -1810,7 +1815,7 @@
           <a:p>
             <a:fld id="{6AA7A5F3-4175-4733-B13D-6A62370D04D0}" type="datetimeFigureOut">
               <a:rPr lang="en-US" smtClean="0"/>
-              <a:t>05-Jan-22</a:t>
+              <a:t>11-Sep-22</a:t>
             </a:fld>
             <a:endParaRPr lang="en-US"/>
           </a:p>
@@ -1951,7 +1956,7 @@
           <a:p>
             <a:fld id="{6AA7A5F3-4175-4733-B13D-6A62370D04D0}" type="datetimeFigureOut">
               <a:rPr lang="en-US" smtClean="0"/>
-              <a:t>05-Jan-22</a:t>
+              <a:t>11-Sep-22</a:t>
             </a:fld>
             <a:endParaRPr lang="en-US"/>
           </a:p>
@@ -2064,7 +2069,7 @@
           <a:p>
             <a:fld id="{6AA7A5F3-4175-4733-B13D-6A62370D04D0}" type="datetimeFigureOut">
               <a:rPr lang="en-US" smtClean="0"/>
-              <a:t>05-Jan-22</a:t>
+              <a:t>11-Sep-22</a:t>
             </a:fld>
             <a:endParaRPr lang="en-US"/>
           </a:p>
@@ -2375,7 +2380,7 @@
           <a:p>
             <a:fld id="{6AA7A5F3-4175-4733-B13D-6A62370D04D0}" type="datetimeFigureOut">
               <a:rPr lang="en-US" smtClean="0"/>
-              <a:t>05-Jan-22</a:t>
+              <a:t>11-Sep-22</a:t>
             </a:fld>
             <a:endParaRPr lang="en-US"/>
           </a:p>
@@ -2663,7 +2668,7 @@
           <a:p>
             <a:fld id="{6AA7A5F3-4175-4733-B13D-6A62370D04D0}" type="datetimeFigureOut">
               <a:rPr lang="en-US" smtClean="0"/>
-              <a:t>05-Jan-22</a:t>
+              <a:t>11-Sep-22</a:t>
             </a:fld>
             <a:endParaRPr lang="en-US"/>
           </a:p>
@@ -2904,7 +2909,7 @@
           <a:p>
             <a:fld id="{6AA7A5F3-4175-4733-B13D-6A62370D04D0}" type="datetimeFigureOut">
               <a:rPr lang="en-US" smtClean="0"/>
-              <a:t>05-Jan-22</a:t>
+              <a:t>11-Sep-22</a:t>
             </a:fld>
             <a:endParaRPr lang="en-US"/>
           </a:p>
@@ -9523,6 +9528,9 @@
         </p:txBody>
       </p:sp>
     </p:spTree>
+    <p:custDataLst>
+      <p:tags r:id="rId1"/>
+    </p:custDataLst>
     <p:extLst>
       <p:ext uri="{BB962C8B-B14F-4D97-AF65-F5344CB8AC3E}">
         <p14:creationId xmlns:p14="http://schemas.microsoft.com/office/powerpoint/2010/main" val="3428916626"/>
@@ -9532,6 +9540,14 @@
   <p:clrMapOvr>
     <a:masterClrMapping/>
   </p:clrMapOvr>
+  <mc:AlternateContent xmlns:mc="http://schemas.openxmlformats.org/markup-compatibility/2006">
+    <mc:Choice xmlns:p14="http://schemas.microsoft.com/office/powerpoint/2010/main" Requires="p14">
+      <p:transition spd="slow" p14:dur="2000" advTm="7483"/>
+    </mc:Choice>
+    <mc:Fallback>
+      <p:transition spd="slow" advTm="7483"/>
+    </mc:Fallback>
+  </mc:AlternateContent>
   <p:timing>
     <p:tnLst>
       <p:par>
@@ -9779,6 +9795,12 @@
     </p:bldLst>
   </p:timing>
 </p:sld>
+</file>
+
+<file path=ppt/tags/tag1.xml><?xml version="1.0" encoding="utf-8"?>
+<p:tagLst xmlns:a="http://schemas.openxmlformats.org/drawingml/2006/main" xmlns:r="http://schemas.openxmlformats.org/officeDocument/2006/relationships" xmlns:p="http://schemas.openxmlformats.org/presentationml/2006/main">
+  <p:tag name="TIMING" val="|0.3"/>
+</p:tagLst>
 </file>
 
 <file path=ppt/theme/theme1.xml><?xml version="1.0" encoding="utf-8"?>
